--- a/src/workbench/workbench.pptx
+++ b/src/workbench/workbench.pptx
@@ -104,6 +104,11 @@
       </a:defRPr>
     </a:lvl9pPr>
   </p:defaultTextStyle>
+  <p:extLst>
+    <p:ext uri="{EFAFB233-063F-42B5-8137-9DF3F51BA10A}">
+      <p15:sldGuideLst xmlns:p15="http://schemas.microsoft.com/office/powerpoint/2012/main"/>
+    </p:ext>
+  </p:extLst>
 </p:presentation>
 </file>
 
@@ -238,7 +243,7 @@
           <a:p>
             <a:fld id="{E150C4BD-2F13-4DBC-B3DF-BE57BBC79B7F}" type="datetimeFigureOut">
               <a:rPr lang="en-US" smtClean="0"/>
-              <a:t>7/26/2016</a:t>
+              <a:t>7/27/2016</a:t>
             </a:fld>
             <a:endParaRPr lang="en-US"/>
           </a:p>
@@ -408,7 +413,7 @@
           <a:p>
             <a:fld id="{E150C4BD-2F13-4DBC-B3DF-BE57BBC79B7F}" type="datetimeFigureOut">
               <a:rPr lang="en-US" smtClean="0"/>
-              <a:t>7/26/2016</a:t>
+              <a:t>7/27/2016</a:t>
             </a:fld>
             <a:endParaRPr lang="en-US"/>
           </a:p>
@@ -588,7 +593,7 @@
           <a:p>
             <a:fld id="{E150C4BD-2F13-4DBC-B3DF-BE57BBC79B7F}" type="datetimeFigureOut">
               <a:rPr lang="en-US" smtClean="0"/>
-              <a:t>7/26/2016</a:t>
+              <a:t>7/27/2016</a:t>
             </a:fld>
             <a:endParaRPr lang="en-US"/>
           </a:p>
@@ -758,7 +763,7 @@
           <a:p>
             <a:fld id="{E150C4BD-2F13-4DBC-B3DF-BE57BBC79B7F}" type="datetimeFigureOut">
               <a:rPr lang="en-US" smtClean="0"/>
-              <a:t>7/26/2016</a:t>
+              <a:t>7/27/2016</a:t>
             </a:fld>
             <a:endParaRPr lang="en-US"/>
           </a:p>
@@ -1004,7 +1009,7 @@
           <a:p>
             <a:fld id="{E150C4BD-2F13-4DBC-B3DF-BE57BBC79B7F}" type="datetimeFigureOut">
               <a:rPr lang="en-US" smtClean="0"/>
-              <a:t>7/26/2016</a:t>
+              <a:t>7/27/2016</a:t>
             </a:fld>
             <a:endParaRPr lang="en-US"/>
           </a:p>
@@ -1236,7 +1241,7 @@
           <a:p>
             <a:fld id="{E150C4BD-2F13-4DBC-B3DF-BE57BBC79B7F}" type="datetimeFigureOut">
               <a:rPr lang="en-US" smtClean="0"/>
-              <a:t>7/26/2016</a:t>
+              <a:t>7/27/2016</a:t>
             </a:fld>
             <a:endParaRPr lang="en-US"/>
           </a:p>
@@ -1603,7 +1608,7 @@
           <a:p>
             <a:fld id="{E150C4BD-2F13-4DBC-B3DF-BE57BBC79B7F}" type="datetimeFigureOut">
               <a:rPr lang="en-US" smtClean="0"/>
-              <a:t>7/26/2016</a:t>
+              <a:t>7/27/2016</a:t>
             </a:fld>
             <a:endParaRPr lang="en-US"/>
           </a:p>
@@ -1721,7 +1726,7 @@
           <a:p>
             <a:fld id="{E150C4BD-2F13-4DBC-B3DF-BE57BBC79B7F}" type="datetimeFigureOut">
               <a:rPr lang="en-US" smtClean="0"/>
-              <a:t>7/26/2016</a:t>
+              <a:t>7/27/2016</a:t>
             </a:fld>
             <a:endParaRPr lang="en-US"/>
           </a:p>
@@ -1816,7 +1821,7 @@
           <a:p>
             <a:fld id="{E150C4BD-2F13-4DBC-B3DF-BE57BBC79B7F}" type="datetimeFigureOut">
               <a:rPr lang="en-US" smtClean="0"/>
-              <a:t>7/26/2016</a:t>
+              <a:t>7/27/2016</a:t>
             </a:fld>
             <a:endParaRPr lang="en-US"/>
           </a:p>
@@ -2093,7 +2098,7 @@
           <a:p>
             <a:fld id="{E150C4BD-2F13-4DBC-B3DF-BE57BBC79B7F}" type="datetimeFigureOut">
               <a:rPr lang="en-US" smtClean="0"/>
-              <a:t>7/26/2016</a:t>
+              <a:t>7/27/2016</a:t>
             </a:fld>
             <a:endParaRPr lang="en-US"/>
           </a:p>
@@ -2346,7 +2351,7 @@
           <a:p>
             <a:fld id="{E150C4BD-2F13-4DBC-B3DF-BE57BBC79B7F}" type="datetimeFigureOut">
               <a:rPr lang="en-US" smtClean="0"/>
-              <a:t>7/26/2016</a:t>
+              <a:t>7/27/2016</a:t>
             </a:fld>
             <a:endParaRPr lang="en-US"/>
           </a:p>
@@ -2559,7 +2564,7 @@
           <a:p>
             <a:fld id="{E150C4BD-2F13-4DBC-B3DF-BE57BBC79B7F}" type="datetimeFigureOut">
               <a:rPr lang="en-US" smtClean="0"/>
-              <a:t>7/26/2016</a:t>
+              <a:t>7/27/2016</a:t>
             </a:fld>
             <a:endParaRPr lang="en-US"/>
           </a:p>
@@ -2964,632 +2969,645 @@
           <a:chExt cx="0" cy="0"/>
         </a:xfrm>
       </p:grpSpPr>
-      <p:sp>
-        <p:nvSpPr>
-          <p:cNvPr id="32" name="Rectangle 31"/>
-          <p:cNvSpPr/>
+      <p:grpSp>
+        <p:nvGrpSpPr>
+          <p:cNvPr id="2" name="Group 1"/>
+          <p:cNvGrpSpPr/>
           <p:nvPr/>
-        </p:nvSpPr>
-        <p:spPr>
+        </p:nvGrpSpPr>
+        <p:grpSpPr>
           <a:xfrm>
-            <a:off x="1431636" y="4359564"/>
-            <a:ext cx="3861333" cy="951345"/>
+            <a:off x="993530" y="369276"/>
+            <a:ext cx="10551925" cy="6374479"/>
+            <a:chOff x="993530" y="369276"/>
+            <a:chExt cx="10551925" cy="6374479"/>
           </a:xfrm>
-          <a:prstGeom prst="rect">
-            <a:avLst/>
-          </a:prstGeom>
-        </p:spPr>
-        <p:style>
-          <a:lnRef idx="2">
-            <a:schemeClr val="accent1">
-              <a:shade val="50000"/>
-            </a:schemeClr>
-          </a:lnRef>
-          <a:fillRef idx="1">
-            <a:schemeClr val="accent1"/>
-          </a:fillRef>
-          <a:effectRef idx="0">
-            <a:schemeClr val="accent1"/>
-          </a:effectRef>
-          <a:fontRef idx="minor">
-            <a:schemeClr val="lt1"/>
-          </a:fontRef>
-        </p:style>
-        <p:txBody>
-          <a:bodyPr rtlCol="0" anchor="ctr"/>
-          <a:lstStyle/>
-          <a:p>
-            <a:pPr algn="ctr"/>
-            <a:endParaRPr lang="en-US"/>
-          </a:p>
-        </p:txBody>
-      </p:sp>
-      <p:sp>
-        <p:nvSpPr>
-          <p:cNvPr id="4" name="Rectangle 3"/>
-          <p:cNvSpPr/>
-          <p:nvPr/>
-        </p:nvSpPr>
-        <p:spPr>
-          <a:xfrm>
-            <a:off x="993531" y="791308"/>
-            <a:ext cx="2778369" cy="1705707"/>
-          </a:xfrm>
-          <a:prstGeom prst="rect">
-            <a:avLst/>
-          </a:prstGeom>
-          <a:solidFill>
-            <a:schemeClr val="accent6">
-              <a:alpha val="50000"/>
-            </a:schemeClr>
-          </a:solidFill>
-          <a:ln>
+        </p:grpSpPr>
+        <p:sp>
+          <p:nvSpPr>
+            <p:cNvPr id="32" name="Rectangle 31"/>
+            <p:cNvSpPr/>
+            <p:nvPr/>
+          </p:nvSpPr>
+          <p:spPr>
+            <a:xfrm>
+              <a:off x="1431636" y="4359564"/>
+              <a:ext cx="3861333" cy="951345"/>
+            </a:xfrm>
+            <a:prstGeom prst="rect">
+              <a:avLst/>
+            </a:prstGeom>
+          </p:spPr>
+          <p:style>
+            <a:lnRef idx="2">
+              <a:schemeClr val="accent1">
+                <a:shade val="50000"/>
+              </a:schemeClr>
+            </a:lnRef>
+            <a:fillRef idx="1">
+              <a:schemeClr val="accent1"/>
+            </a:fillRef>
+            <a:effectRef idx="0">
+              <a:schemeClr val="accent1"/>
+            </a:effectRef>
+            <a:fontRef idx="minor">
+              <a:schemeClr val="lt1"/>
+            </a:fontRef>
+          </p:style>
+          <p:txBody>
+            <a:bodyPr rtlCol="0" anchor="ctr"/>
+            <a:lstStyle/>
+            <a:p>
+              <a:pPr algn="ctr"/>
+              <a:endParaRPr lang="en-US"/>
+            </a:p>
+          </p:txBody>
+        </p:sp>
+        <p:sp>
+          <p:nvSpPr>
+            <p:cNvPr id="4" name="Rectangle 3"/>
+            <p:cNvSpPr/>
+            <p:nvPr/>
+          </p:nvSpPr>
+          <p:spPr>
+            <a:xfrm>
+              <a:off x="993531" y="791308"/>
+              <a:ext cx="2778369" cy="1705707"/>
+            </a:xfrm>
+            <a:prstGeom prst="rect">
+              <a:avLst/>
+            </a:prstGeom>
+            <a:solidFill>
+              <a:schemeClr val="accent6">
+                <a:alpha val="50000"/>
+              </a:schemeClr>
+            </a:solidFill>
+            <a:ln>
+              <a:noFill/>
+            </a:ln>
+          </p:spPr>
+          <p:style>
+            <a:lnRef idx="0">
+              <a:scrgbClr r="0" g="0" b="0"/>
+            </a:lnRef>
+            <a:fillRef idx="0">
+              <a:scrgbClr r="0" g="0" b="0"/>
+            </a:fillRef>
+            <a:effectRef idx="0">
+              <a:scrgbClr r="0" g="0" b="0"/>
+            </a:effectRef>
+            <a:fontRef idx="minor">
+              <a:schemeClr val="lt1"/>
+            </a:fontRef>
+          </p:style>
+          <p:txBody>
+            <a:bodyPr rtlCol="0" anchor="ctr"/>
+            <a:lstStyle/>
+            <a:p>
+              <a:pPr algn="ctr"/>
+              <a:endParaRPr lang="en-US"/>
+            </a:p>
+          </p:txBody>
+        </p:sp>
+        <p:sp>
+          <p:nvSpPr>
+            <p:cNvPr id="5" name="Rectangle 4"/>
+            <p:cNvSpPr/>
+            <p:nvPr/>
+          </p:nvSpPr>
+          <p:spPr>
+            <a:xfrm>
+              <a:off x="993530" y="562708"/>
+              <a:ext cx="2778369" cy="228600"/>
+            </a:xfrm>
+            <a:prstGeom prst="rect">
+              <a:avLst/>
+            </a:prstGeom>
+          </p:spPr>
+          <p:style>
+            <a:lnRef idx="2">
+              <a:schemeClr val="accent1">
+                <a:shade val="50000"/>
+              </a:schemeClr>
+            </a:lnRef>
+            <a:fillRef idx="1">
+              <a:schemeClr val="accent1"/>
+            </a:fillRef>
+            <a:effectRef idx="0">
+              <a:schemeClr val="accent1"/>
+            </a:effectRef>
+            <a:fontRef idx="minor">
+              <a:schemeClr val="lt1"/>
+            </a:fontRef>
+          </p:style>
+          <p:txBody>
+            <a:bodyPr rtlCol="0" anchor="ctr"/>
+            <a:lstStyle/>
+            <a:p>
+              <a:pPr algn="ctr"/>
+              <a:endParaRPr lang="en-US"/>
+            </a:p>
+          </p:txBody>
+        </p:sp>
+        <p:sp>
+          <p:nvSpPr>
+            <p:cNvPr id="6" name="TextBox 5"/>
+            <p:cNvSpPr txBox="1"/>
+            <p:nvPr/>
+          </p:nvSpPr>
+          <p:spPr>
+            <a:xfrm>
+              <a:off x="1556238" y="2540949"/>
+              <a:ext cx="1053558" cy="369332"/>
+            </a:xfrm>
+            <a:prstGeom prst="rect">
+              <a:avLst/>
+            </a:prstGeom>
             <a:noFill/>
-          </a:ln>
-        </p:spPr>
-        <p:style>
-          <a:lnRef idx="0">
-            <a:scrgbClr r="0" g="0" b="0"/>
-          </a:lnRef>
-          <a:fillRef idx="0">
-            <a:scrgbClr r="0" g="0" b="0"/>
-          </a:fillRef>
-          <a:effectRef idx="0">
-            <a:scrgbClr r="0" g="0" b="0"/>
-          </a:effectRef>
-          <a:fontRef idx="minor">
-            <a:schemeClr val="lt1"/>
-          </a:fontRef>
-        </p:style>
-        <p:txBody>
-          <a:bodyPr rtlCol="0" anchor="ctr"/>
-          <a:lstStyle/>
-          <a:p>
-            <a:pPr algn="ctr"/>
-            <a:endParaRPr lang="en-US"/>
-          </a:p>
-        </p:txBody>
-      </p:sp>
-      <p:sp>
-        <p:nvSpPr>
-          <p:cNvPr id="5" name="Rectangle 4"/>
-          <p:cNvSpPr/>
-          <p:nvPr/>
-        </p:nvSpPr>
-        <p:spPr>
-          <a:xfrm>
-            <a:off x="993530" y="562708"/>
-            <a:ext cx="2778369" cy="228600"/>
-          </a:xfrm>
-          <a:prstGeom prst="rect">
-            <a:avLst/>
-          </a:prstGeom>
-        </p:spPr>
-        <p:style>
-          <a:lnRef idx="2">
-            <a:schemeClr val="accent1">
-              <a:shade val="50000"/>
-            </a:schemeClr>
-          </a:lnRef>
-          <a:fillRef idx="1">
-            <a:schemeClr val="accent1"/>
-          </a:fillRef>
-          <a:effectRef idx="0">
-            <a:schemeClr val="accent1"/>
-          </a:effectRef>
-          <a:fontRef idx="minor">
-            <a:schemeClr val="lt1"/>
-          </a:fontRef>
-        </p:style>
-        <p:txBody>
-          <a:bodyPr rtlCol="0" anchor="ctr"/>
-          <a:lstStyle/>
-          <a:p>
-            <a:pPr algn="ctr"/>
-            <a:endParaRPr lang="en-US"/>
-          </a:p>
-        </p:txBody>
-      </p:sp>
-      <p:sp>
-        <p:nvSpPr>
-          <p:cNvPr id="6" name="TextBox 5"/>
-          <p:cNvSpPr txBox="1"/>
-          <p:nvPr/>
-        </p:nvSpPr>
-        <p:spPr>
-          <a:xfrm>
-            <a:off x="1556238" y="2540949"/>
-            <a:ext cx="1053558" cy="369332"/>
-          </a:xfrm>
-          <a:prstGeom prst="rect">
-            <a:avLst/>
-          </a:prstGeom>
-          <a:noFill/>
-        </p:spPr>
-        <p:txBody>
-          <a:bodyPr wrap="none" rtlCol="0">
-            <a:spAutoFit/>
-          </a:bodyPr>
-          <a:lstStyle/>
-          <a:p>
-            <a:r>
-              <a:rPr lang="en-US" dirty="0" smtClean="0"/>
-              <a:t>WinForm</a:t>
-            </a:r>
-            <a:endParaRPr lang="en-US" dirty="0"/>
-          </a:p>
-        </p:txBody>
-      </p:sp>
-      <p:sp>
-        <p:nvSpPr>
-          <p:cNvPr id="7" name="TextBox 6"/>
-          <p:cNvSpPr txBox="1"/>
-          <p:nvPr/>
-        </p:nvSpPr>
-        <p:spPr>
-          <a:xfrm>
-            <a:off x="4132385" y="6374423"/>
-            <a:ext cx="4149085" cy="369332"/>
-          </a:xfrm>
-          <a:prstGeom prst="rect">
-            <a:avLst/>
-          </a:prstGeom>
-          <a:noFill/>
-        </p:spPr>
-        <p:txBody>
-          <a:bodyPr wrap="none" rtlCol="0">
-            <a:spAutoFit/>
-          </a:bodyPr>
-          <a:lstStyle/>
-          <a:p>
-            <a:r>
-              <a:rPr lang="en-US" dirty="0" smtClean="0"/>
-              <a:t>Task invoke start based on the </a:t>
-            </a:r>
-            <a:r>
-              <a:rPr lang="en-US" dirty="0" err="1" smtClean="0"/>
-              <a:t>url</a:t>
-            </a:r>
-            <a:r>
-              <a:rPr lang="en-US" dirty="0" smtClean="0"/>
-              <a:t> protocol</a:t>
-            </a:r>
-            <a:endParaRPr lang="en-US" dirty="0"/>
-          </a:p>
-        </p:txBody>
-      </p:sp>
-      <p:sp>
-        <p:nvSpPr>
-          <p:cNvPr id="8" name="Rectangle 7"/>
-          <p:cNvSpPr/>
-          <p:nvPr/>
-        </p:nvSpPr>
-        <p:spPr>
-          <a:xfrm>
-            <a:off x="5231423" y="369276"/>
-            <a:ext cx="2734408" cy="1573823"/>
-          </a:xfrm>
-          <a:prstGeom prst="rect">
-            <a:avLst/>
-          </a:prstGeom>
-        </p:spPr>
-        <p:style>
-          <a:lnRef idx="2">
-            <a:schemeClr val="accent1">
-              <a:shade val="50000"/>
-            </a:schemeClr>
-          </a:lnRef>
-          <a:fillRef idx="1">
-            <a:schemeClr val="accent1"/>
-          </a:fillRef>
-          <a:effectRef idx="0">
-            <a:schemeClr val="accent1"/>
-          </a:effectRef>
-          <a:fontRef idx="minor">
-            <a:schemeClr val="lt1"/>
-          </a:fontRef>
-        </p:style>
-        <p:txBody>
-          <a:bodyPr rtlCol="0" anchor="ctr"/>
-          <a:lstStyle/>
-          <a:p>
-            <a:pPr algn="ctr"/>
-            <a:r>
-              <a:rPr lang="en-US" dirty="0" smtClean="0"/>
-              <a:t>Browser</a:t>
-            </a:r>
-            <a:endParaRPr lang="en-US" dirty="0"/>
-          </a:p>
-        </p:txBody>
-      </p:sp>
-      <p:cxnSp>
-        <p:nvCxnSpPr>
-          <p:cNvPr id="10" name="Straight Connector 9"/>
-          <p:cNvCxnSpPr/>
-          <p:nvPr/>
-        </p:nvCxnSpPr>
-        <p:spPr>
-          <a:xfrm flipV="1">
-            <a:off x="3785087" y="369276"/>
-            <a:ext cx="1507882" cy="422032"/>
-          </a:xfrm>
-          <a:prstGeom prst="line">
-            <a:avLst/>
-          </a:prstGeom>
-        </p:spPr>
-        <p:style>
-          <a:lnRef idx="1">
-            <a:schemeClr val="accent1"/>
-          </a:lnRef>
-          <a:fillRef idx="0">
-            <a:schemeClr val="accent1"/>
-          </a:fillRef>
-          <a:effectRef idx="0">
-            <a:schemeClr val="accent1"/>
-          </a:effectRef>
-          <a:fontRef idx="minor">
-            <a:schemeClr val="tx1"/>
-          </a:fontRef>
-        </p:style>
-      </p:cxnSp>
-      <p:cxnSp>
-        <p:nvCxnSpPr>
-          <p:cNvPr id="13" name="Straight Connector 12"/>
-          <p:cNvCxnSpPr/>
-          <p:nvPr/>
-        </p:nvCxnSpPr>
-        <p:spPr>
-          <a:xfrm>
-            <a:off x="3791681" y="1793631"/>
-            <a:ext cx="1426554" cy="149469"/>
-          </a:xfrm>
-          <a:prstGeom prst="line">
-            <a:avLst/>
-          </a:prstGeom>
-        </p:spPr>
-        <p:style>
-          <a:lnRef idx="1">
-            <a:schemeClr val="accent1"/>
-          </a:lnRef>
-          <a:fillRef idx="0">
-            <a:schemeClr val="accent1"/>
-          </a:fillRef>
-          <a:effectRef idx="0">
-            <a:schemeClr val="accent1"/>
-          </a:effectRef>
-          <a:fontRef idx="minor">
-            <a:schemeClr val="tx1"/>
-          </a:fontRef>
-        </p:style>
-      </p:cxnSp>
-      <p:sp>
-        <p:nvSpPr>
-          <p:cNvPr id="17" name="Rounded Rectangle 16"/>
-          <p:cNvSpPr/>
-          <p:nvPr/>
-        </p:nvSpPr>
-        <p:spPr>
-          <a:xfrm>
-            <a:off x="1556238" y="4501661"/>
-            <a:ext cx="1573824" cy="624255"/>
-          </a:xfrm>
-          <a:prstGeom prst="roundRect">
-            <a:avLst/>
-          </a:prstGeom>
-        </p:spPr>
-        <p:style>
-          <a:lnRef idx="2">
-            <a:schemeClr val="accent1">
-              <a:shade val="50000"/>
-            </a:schemeClr>
-          </a:lnRef>
-          <a:fillRef idx="1">
-            <a:schemeClr val="accent1"/>
-          </a:fillRef>
-          <a:effectRef idx="0">
-            <a:schemeClr val="accent1"/>
-          </a:effectRef>
-          <a:fontRef idx="minor">
-            <a:schemeClr val="lt1"/>
-          </a:fontRef>
-        </p:style>
-        <p:txBody>
-          <a:bodyPr rtlCol="0" anchor="ctr"/>
-          <a:lstStyle/>
-          <a:p>
-            <a:pPr algn="ctr"/>
-            <a:r>
-              <a:rPr lang="en-US" dirty="0" err="1" smtClean="0"/>
-              <a:t>httpd</a:t>
-            </a:r>
-            <a:endParaRPr lang="en-US" dirty="0"/>
-          </a:p>
-        </p:txBody>
-      </p:sp>
-      <p:cxnSp>
-        <p:nvCxnSpPr>
-          <p:cNvPr id="19" name="Straight Arrow Connector 18"/>
-          <p:cNvCxnSpPr/>
-          <p:nvPr/>
-        </p:nvCxnSpPr>
-        <p:spPr>
-          <a:xfrm>
-            <a:off x="2699238" y="2497015"/>
-            <a:ext cx="0" cy="1848977"/>
-          </a:xfrm>
-          <a:prstGeom prst="straightConnector1">
-            <a:avLst/>
-          </a:prstGeom>
-          <a:ln>
-            <a:tailEnd type="triangle"/>
-          </a:ln>
-        </p:spPr>
-        <p:style>
-          <a:lnRef idx="1">
-            <a:schemeClr val="accent1"/>
-          </a:lnRef>
-          <a:fillRef idx="0">
-            <a:schemeClr val="accent1"/>
-          </a:fillRef>
-          <a:effectRef idx="0">
-            <a:schemeClr val="accent1"/>
-          </a:effectRef>
-          <a:fontRef idx="minor">
-            <a:schemeClr val="tx1"/>
-          </a:fontRef>
-        </p:style>
-      </p:cxnSp>
-      <p:sp>
-        <p:nvSpPr>
-          <p:cNvPr id="22" name="TextBox 21"/>
-          <p:cNvSpPr txBox="1"/>
-          <p:nvPr/>
-        </p:nvSpPr>
-        <p:spPr>
-          <a:xfrm>
-            <a:off x="2699238" y="3508074"/>
-            <a:ext cx="1588384" cy="369332"/>
-          </a:xfrm>
-          <a:prstGeom prst="rect">
-            <a:avLst/>
-          </a:prstGeom>
-          <a:noFill/>
-        </p:spPr>
-        <p:txBody>
-          <a:bodyPr wrap="none" rtlCol="0">
-            <a:spAutoFit/>
-          </a:bodyPr>
-          <a:lstStyle/>
-          <a:p>
-            <a:r>
-              <a:rPr lang="en-US" dirty="0" smtClean="0"/>
-              <a:t>Folk on startup</a:t>
-            </a:r>
-            <a:endParaRPr lang="en-US" dirty="0"/>
-          </a:p>
-        </p:txBody>
-      </p:sp>
-      <p:cxnSp>
-        <p:nvCxnSpPr>
-          <p:cNvPr id="24" name="Straight Arrow Connector 23"/>
-          <p:cNvCxnSpPr>
-            <a:stCxn id="30" idx="0"/>
-            <a:endCxn id="8" idx="2"/>
-          </p:cNvCxnSpPr>
-          <p:nvPr/>
-        </p:nvCxnSpPr>
-        <p:spPr>
-          <a:xfrm flipV="1">
-            <a:off x="4422530" y="1943099"/>
-            <a:ext cx="2176097" cy="2558562"/>
-          </a:xfrm>
-          <a:prstGeom prst="straightConnector1">
-            <a:avLst/>
-          </a:prstGeom>
-          <a:ln>
-            <a:prstDash val="dash"/>
-            <a:headEnd type="triangle"/>
-            <a:tailEnd type="triangle"/>
-          </a:ln>
-        </p:spPr>
-        <p:style>
-          <a:lnRef idx="1">
-            <a:schemeClr val="accent1"/>
-          </a:lnRef>
-          <a:fillRef idx="0">
-            <a:schemeClr val="accent1"/>
-          </a:fillRef>
-          <a:effectRef idx="0">
-            <a:schemeClr val="accent1"/>
-          </a:effectRef>
-          <a:fontRef idx="minor">
-            <a:schemeClr val="tx1"/>
-          </a:fontRef>
-        </p:style>
-      </p:cxnSp>
-      <p:cxnSp>
-        <p:nvCxnSpPr>
-          <p:cNvPr id="27" name="Elbow Connector 26"/>
-          <p:cNvCxnSpPr>
-            <a:stCxn id="8" idx="2"/>
-          </p:cNvCxnSpPr>
-          <p:nvPr/>
-        </p:nvCxnSpPr>
-        <p:spPr>
-          <a:xfrm rot="16200000" flipH="1">
-            <a:off x="6726871" y="1814855"/>
-            <a:ext cx="1317337" cy="1573824"/>
-          </a:xfrm>
-          <a:prstGeom prst="bentConnector2">
-            <a:avLst/>
-          </a:prstGeom>
-          <a:ln>
-            <a:tailEnd type="triangle"/>
-          </a:ln>
-        </p:spPr>
-        <p:style>
-          <a:lnRef idx="1">
-            <a:schemeClr val="accent1"/>
-          </a:lnRef>
-          <a:fillRef idx="0">
-            <a:schemeClr val="accent1"/>
-          </a:fillRef>
-          <a:effectRef idx="0">
-            <a:schemeClr val="accent1"/>
-          </a:effectRef>
-          <a:fontRef idx="minor">
-            <a:schemeClr val="tx1"/>
-          </a:fontRef>
-        </p:style>
-      </p:cxnSp>
-      <p:sp>
-        <p:nvSpPr>
-          <p:cNvPr id="29" name="TextBox 28"/>
-          <p:cNvSpPr txBox="1"/>
-          <p:nvPr/>
-        </p:nvSpPr>
-        <p:spPr>
-          <a:xfrm>
-            <a:off x="6424153" y="3516922"/>
-            <a:ext cx="3992311" cy="369332"/>
-          </a:xfrm>
-          <a:prstGeom prst="rect">
-            <a:avLst/>
-          </a:prstGeom>
-          <a:noFill/>
-        </p:spPr>
-        <p:txBody>
-          <a:bodyPr wrap="none" rtlCol="0">
-            <a:spAutoFit/>
-          </a:bodyPr>
-          <a:lstStyle/>
-          <a:p>
-            <a:r>
-              <a:rPr lang="en-US" dirty="0" smtClean="0"/>
-              <a:t>URL protocols start GCModeller CLI tools</a:t>
-            </a:r>
-            <a:endParaRPr lang="en-US" dirty="0"/>
-          </a:p>
-        </p:txBody>
-      </p:sp>
-      <p:sp>
-        <p:nvSpPr>
-          <p:cNvPr id="30" name="Rounded Rectangle 29"/>
-          <p:cNvSpPr/>
-          <p:nvPr/>
-        </p:nvSpPr>
-        <p:spPr>
-          <a:xfrm>
-            <a:off x="3692857" y="4501661"/>
-            <a:ext cx="1459346" cy="624255"/>
-          </a:xfrm>
-          <a:prstGeom prst="roundRect">
-            <a:avLst/>
-          </a:prstGeom>
-        </p:spPr>
-        <p:style>
-          <a:lnRef idx="2">
-            <a:schemeClr val="accent1">
-              <a:shade val="50000"/>
-            </a:schemeClr>
-          </a:lnRef>
-          <a:fillRef idx="1">
-            <a:schemeClr val="accent1"/>
-          </a:fillRef>
-          <a:effectRef idx="0">
-            <a:schemeClr val="accent1"/>
-          </a:effectRef>
-          <a:fontRef idx="minor">
-            <a:schemeClr val="lt1"/>
-          </a:fontRef>
-        </p:style>
-        <p:txBody>
-          <a:bodyPr rtlCol="0" anchor="ctr"/>
-          <a:lstStyle/>
-          <a:p>
-            <a:pPr algn="ctr"/>
-            <a:r>
-              <a:rPr lang="en-US" dirty="0" err="1" smtClean="0"/>
-              <a:t>WebApp</a:t>
-            </a:r>
-            <a:endParaRPr lang="en-US" dirty="0"/>
-          </a:p>
-        </p:txBody>
-      </p:sp>
-      <p:sp>
-        <p:nvSpPr>
-          <p:cNvPr id="33" name="TextBox 32"/>
-          <p:cNvSpPr txBox="1"/>
-          <p:nvPr/>
-        </p:nvSpPr>
-        <p:spPr>
-          <a:xfrm>
-            <a:off x="2489629" y="5385720"/>
-            <a:ext cx="1932901" cy="369332"/>
-          </a:xfrm>
-          <a:prstGeom prst="rect">
-            <a:avLst/>
-          </a:prstGeom>
-          <a:noFill/>
-        </p:spPr>
-        <p:txBody>
-          <a:bodyPr wrap="none" rtlCol="0">
-            <a:spAutoFit/>
-          </a:bodyPr>
-          <a:lstStyle/>
-          <a:p>
-            <a:r>
-              <a:rPr lang="en-US" dirty="0" smtClean="0"/>
-              <a:t>Background server</a:t>
-            </a:r>
-            <a:endParaRPr lang="en-US" dirty="0"/>
-          </a:p>
-        </p:txBody>
-      </p:sp>
-      <p:sp>
-        <p:nvSpPr>
-          <p:cNvPr id="35" name="Round Diagonal Corner Rectangle 34"/>
-          <p:cNvSpPr/>
-          <p:nvPr/>
-        </p:nvSpPr>
-        <p:spPr>
-          <a:xfrm>
-            <a:off x="8321917" y="2630196"/>
-            <a:ext cx="3223538" cy="791307"/>
-          </a:xfrm>
-          <a:prstGeom prst="round2DiagRect">
-            <a:avLst/>
-          </a:prstGeom>
-        </p:spPr>
-        <p:style>
-          <a:lnRef idx="2">
-            <a:schemeClr val="accent1">
-              <a:shade val="50000"/>
-            </a:schemeClr>
-          </a:lnRef>
-          <a:fillRef idx="1">
-            <a:schemeClr val="accent1"/>
-          </a:fillRef>
-          <a:effectRef idx="0">
-            <a:schemeClr val="accent1"/>
-          </a:effectRef>
-          <a:fontRef idx="minor">
-            <a:schemeClr val="lt1"/>
-          </a:fontRef>
-        </p:style>
-        <p:txBody>
-          <a:bodyPr rtlCol="0" anchor="ctr"/>
-          <a:lstStyle/>
-          <a:p>
-            <a:pPr algn="ctr"/>
-            <a:r>
-              <a:rPr lang="en-US" dirty="0" smtClean="0"/>
-              <a:t>GCModeller CLI tools</a:t>
-            </a:r>
-            <a:endParaRPr lang="en-US" dirty="0"/>
-          </a:p>
-        </p:txBody>
-      </p:sp>
+          </p:spPr>
+          <p:txBody>
+            <a:bodyPr wrap="none" rtlCol="0">
+              <a:spAutoFit/>
+            </a:bodyPr>
+            <a:lstStyle/>
+            <a:p>
+              <a:r>
+                <a:rPr lang="en-US" dirty="0" smtClean="0"/>
+                <a:t>WinForm</a:t>
+              </a:r>
+              <a:endParaRPr lang="en-US" dirty="0"/>
+            </a:p>
+          </p:txBody>
+        </p:sp>
+        <p:sp>
+          <p:nvSpPr>
+            <p:cNvPr id="7" name="TextBox 6"/>
+            <p:cNvSpPr txBox="1"/>
+            <p:nvPr/>
+          </p:nvSpPr>
+          <p:spPr>
+            <a:xfrm>
+              <a:off x="4132385" y="6374423"/>
+              <a:ext cx="4149085" cy="369332"/>
+            </a:xfrm>
+            <a:prstGeom prst="rect">
+              <a:avLst/>
+            </a:prstGeom>
+            <a:noFill/>
+          </p:spPr>
+          <p:txBody>
+            <a:bodyPr wrap="none" rtlCol="0">
+              <a:spAutoFit/>
+            </a:bodyPr>
+            <a:lstStyle/>
+            <a:p>
+              <a:r>
+                <a:rPr lang="en-US" dirty="0" smtClean="0"/>
+                <a:t>Task invoke start based on the </a:t>
+              </a:r>
+              <a:r>
+                <a:rPr lang="en-US" dirty="0" err="1" smtClean="0"/>
+                <a:t>url</a:t>
+              </a:r>
+              <a:r>
+                <a:rPr lang="en-US" dirty="0" smtClean="0"/>
+                <a:t> protocol</a:t>
+              </a:r>
+              <a:endParaRPr lang="en-US" dirty="0"/>
+            </a:p>
+          </p:txBody>
+        </p:sp>
+        <p:sp>
+          <p:nvSpPr>
+            <p:cNvPr id="8" name="Rectangle 7"/>
+            <p:cNvSpPr/>
+            <p:nvPr/>
+          </p:nvSpPr>
+          <p:spPr>
+            <a:xfrm>
+              <a:off x="5231423" y="369276"/>
+              <a:ext cx="2734408" cy="1573823"/>
+            </a:xfrm>
+            <a:prstGeom prst="rect">
+              <a:avLst/>
+            </a:prstGeom>
+            <a:solidFill>
+              <a:schemeClr val="accent2"/>
+            </a:solidFill>
+            <a:ln>
+              <a:noFill/>
+            </a:ln>
+          </p:spPr>
+          <p:style>
+            <a:lnRef idx="0">
+              <a:scrgbClr r="0" g="0" b="0"/>
+            </a:lnRef>
+            <a:fillRef idx="0">
+              <a:scrgbClr r="0" g="0" b="0"/>
+            </a:fillRef>
+            <a:effectRef idx="0">
+              <a:scrgbClr r="0" g="0" b="0"/>
+            </a:effectRef>
+            <a:fontRef idx="minor">
+              <a:schemeClr val="lt1"/>
+            </a:fontRef>
+          </p:style>
+          <p:txBody>
+            <a:bodyPr rtlCol="0" anchor="ctr"/>
+            <a:lstStyle/>
+            <a:p>
+              <a:pPr algn="ctr"/>
+              <a:r>
+                <a:rPr lang="en-US" dirty="0" smtClean="0"/>
+                <a:t>Browser</a:t>
+              </a:r>
+              <a:endParaRPr lang="en-US" dirty="0"/>
+            </a:p>
+          </p:txBody>
+        </p:sp>
+        <p:cxnSp>
+          <p:nvCxnSpPr>
+            <p:cNvPr id="10" name="Straight Connector 9"/>
+            <p:cNvCxnSpPr/>
+            <p:nvPr/>
+          </p:nvCxnSpPr>
+          <p:spPr>
+            <a:xfrm flipV="1">
+              <a:off x="3785087" y="369276"/>
+              <a:ext cx="1507882" cy="422032"/>
+            </a:xfrm>
+            <a:prstGeom prst="line">
+              <a:avLst/>
+            </a:prstGeom>
+          </p:spPr>
+          <p:style>
+            <a:lnRef idx="1">
+              <a:schemeClr val="accent1"/>
+            </a:lnRef>
+            <a:fillRef idx="0">
+              <a:schemeClr val="accent1"/>
+            </a:fillRef>
+            <a:effectRef idx="0">
+              <a:schemeClr val="accent1"/>
+            </a:effectRef>
+            <a:fontRef idx="minor">
+              <a:schemeClr val="tx1"/>
+            </a:fontRef>
+          </p:style>
+        </p:cxnSp>
+        <p:cxnSp>
+          <p:nvCxnSpPr>
+            <p:cNvPr id="13" name="Straight Connector 12"/>
+            <p:cNvCxnSpPr/>
+            <p:nvPr/>
+          </p:nvCxnSpPr>
+          <p:spPr>
+            <a:xfrm>
+              <a:off x="3791681" y="1793631"/>
+              <a:ext cx="1426554" cy="149469"/>
+            </a:xfrm>
+            <a:prstGeom prst="line">
+              <a:avLst/>
+            </a:prstGeom>
+          </p:spPr>
+          <p:style>
+            <a:lnRef idx="1">
+              <a:schemeClr val="accent1"/>
+            </a:lnRef>
+            <a:fillRef idx="0">
+              <a:schemeClr val="accent1"/>
+            </a:fillRef>
+            <a:effectRef idx="0">
+              <a:schemeClr val="accent1"/>
+            </a:effectRef>
+            <a:fontRef idx="minor">
+              <a:schemeClr val="tx1"/>
+            </a:fontRef>
+          </p:style>
+        </p:cxnSp>
+        <p:sp>
+          <p:nvSpPr>
+            <p:cNvPr id="17" name="Rounded Rectangle 16"/>
+            <p:cNvSpPr/>
+            <p:nvPr/>
+          </p:nvSpPr>
+          <p:spPr>
+            <a:xfrm>
+              <a:off x="1556238" y="4501661"/>
+              <a:ext cx="1573824" cy="624255"/>
+            </a:xfrm>
+            <a:prstGeom prst="roundRect">
+              <a:avLst/>
+            </a:prstGeom>
+          </p:spPr>
+          <p:style>
+            <a:lnRef idx="0">
+              <a:schemeClr val="accent6"/>
+            </a:lnRef>
+            <a:fillRef idx="3">
+              <a:schemeClr val="accent6"/>
+            </a:fillRef>
+            <a:effectRef idx="3">
+              <a:schemeClr val="accent6"/>
+            </a:effectRef>
+            <a:fontRef idx="minor">
+              <a:schemeClr val="lt1"/>
+            </a:fontRef>
+          </p:style>
+          <p:txBody>
+            <a:bodyPr rtlCol="0" anchor="ctr"/>
+            <a:lstStyle/>
+            <a:p>
+              <a:pPr algn="ctr"/>
+              <a:r>
+                <a:rPr lang="en-US" dirty="0" err="1" smtClean="0"/>
+                <a:t>httpd</a:t>
+              </a:r>
+              <a:endParaRPr lang="en-US" dirty="0"/>
+            </a:p>
+          </p:txBody>
+        </p:sp>
+        <p:cxnSp>
+          <p:nvCxnSpPr>
+            <p:cNvPr id="19" name="Straight Arrow Connector 18"/>
+            <p:cNvCxnSpPr/>
+            <p:nvPr/>
+          </p:nvCxnSpPr>
+          <p:spPr>
+            <a:xfrm>
+              <a:off x="2699238" y="2497015"/>
+              <a:ext cx="0" cy="1848977"/>
+            </a:xfrm>
+            <a:prstGeom prst="straightConnector1">
+              <a:avLst/>
+            </a:prstGeom>
+            <a:ln>
+              <a:tailEnd type="triangle"/>
+            </a:ln>
+          </p:spPr>
+          <p:style>
+            <a:lnRef idx="1">
+              <a:schemeClr val="accent1"/>
+            </a:lnRef>
+            <a:fillRef idx="0">
+              <a:schemeClr val="accent1"/>
+            </a:fillRef>
+            <a:effectRef idx="0">
+              <a:schemeClr val="accent1"/>
+            </a:effectRef>
+            <a:fontRef idx="minor">
+              <a:schemeClr val="tx1"/>
+            </a:fontRef>
+          </p:style>
+        </p:cxnSp>
+        <p:sp>
+          <p:nvSpPr>
+            <p:cNvPr id="22" name="TextBox 21"/>
+            <p:cNvSpPr txBox="1"/>
+            <p:nvPr/>
+          </p:nvSpPr>
+          <p:spPr>
+            <a:xfrm>
+              <a:off x="2699238" y="3508074"/>
+              <a:ext cx="1588384" cy="369332"/>
+            </a:xfrm>
+            <a:prstGeom prst="rect">
+              <a:avLst/>
+            </a:prstGeom>
+            <a:noFill/>
+          </p:spPr>
+          <p:txBody>
+            <a:bodyPr wrap="none" rtlCol="0">
+              <a:spAutoFit/>
+            </a:bodyPr>
+            <a:lstStyle/>
+            <a:p>
+              <a:r>
+                <a:rPr lang="en-US" dirty="0" smtClean="0"/>
+                <a:t>Folk on startup</a:t>
+              </a:r>
+              <a:endParaRPr lang="en-US" dirty="0"/>
+            </a:p>
+          </p:txBody>
+        </p:sp>
+        <p:cxnSp>
+          <p:nvCxnSpPr>
+            <p:cNvPr id="24" name="Straight Arrow Connector 23"/>
+            <p:cNvCxnSpPr>
+              <a:stCxn id="30" idx="0"/>
+              <a:endCxn id="8" idx="2"/>
+            </p:cNvCxnSpPr>
+            <p:nvPr/>
+          </p:nvCxnSpPr>
+          <p:spPr>
+            <a:xfrm flipV="1">
+              <a:off x="4422530" y="1943099"/>
+              <a:ext cx="2176097" cy="2558562"/>
+            </a:xfrm>
+            <a:prstGeom prst="straightConnector1">
+              <a:avLst/>
+            </a:prstGeom>
+            <a:ln>
+              <a:prstDash val="dash"/>
+              <a:headEnd type="triangle"/>
+              <a:tailEnd type="triangle"/>
+            </a:ln>
+          </p:spPr>
+          <p:style>
+            <a:lnRef idx="1">
+              <a:schemeClr val="accent1"/>
+            </a:lnRef>
+            <a:fillRef idx="0">
+              <a:schemeClr val="accent1"/>
+            </a:fillRef>
+            <a:effectRef idx="0">
+              <a:schemeClr val="accent1"/>
+            </a:effectRef>
+            <a:fontRef idx="minor">
+              <a:schemeClr val="tx1"/>
+            </a:fontRef>
+          </p:style>
+        </p:cxnSp>
+        <p:cxnSp>
+          <p:nvCxnSpPr>
+            <p:cNvPr id="27" name="Elbow Connector 26"/>
+            <p:cNvCxnSpPr>
+              <a:stCxn id="8" idx="2"/>
+            </p:cNvCxnSpPr>
+            <p:nvPr/>
+          </p:nvCxnSpPr>
+          <p:spPr>
+            <a:xfrm rot="16200000" flipH="1">
+              <a:off x="6726871" y="1814855"/>
+              <a:ext cx="1317337" cy="1573824"/>
+            </a:xfrm>
+            <a:prstGeom prst="bentConnector2">
+              <a:avLst/>
+            </a:prstGeom>
+            <a:ln>
+              <a:tailEnd type="triangle"/>
+            </a:ln>
+          </p:spPr>
+          <p:style>
+            <a:lnRef idx="1">
+              <a:schemeClr val="accent1"/>
+            </a:lnRef>
+            <a:fillRef idx="0">
+              <a:schemeClr val="accent1"/>
+            </a:fillRef>
+            <a:effectRef idx="0">
+              <a:schemeClr val="accent1"/>
+            </a:effectRef>
+            <a:fontRef idx="minor">
+              <a:schemeClr val="tx1"/>
+            </a:fontRef>
+          </p:style>
+        </p:cxnSp>
+        <p:sp>
+          <p:nvSpPr>
+            <p:cNvPr id="29" name="TextBox 28"/>
+            <p:cNvSpPr txBox="1"/>
+            <p:nvPr/>
+          </p:nvSpPr>
+          <p:spPr>
+            <a:xfrm>
+              <a:off x="6424153" y="3516922"/>
+              <a:ext cx="3992311" cy="369332"/>
+            </a:xfrm>
+            <a:prstGeom prst="rect">
+              <a:avLst/>
+            </a:prstGeom>
+            <a:noFill/>
+          </p:spPr>
+          <p:txBody>
+            <a:bodyPr wrap="none" rtlCol="0">
+              <a:spAutoFit/>
+            </a:bodyPr>
+            <a:lstStyle/>
+            <a:p>
+              <a:r>
+                <a:rPr lang="en-US" dirty="0" smtClean="0"/>
+                <a:t>URL protocols start GCModeller CLI tools</a:t>
+              </a:r>
+              <a:endParaRPr lang="en-US" dirty="0"/>
+            </a:p>
+          </p:txBody>
+        </p:sp>
+        <p:sp>
+          <p:nvSpPr>
+            <p:cNvPr id="30" name="Rounded Rectangle 29"/>
+            <p:cNvSpPr/>
+            <p:nvPr/>
+          </p:nvSpPr>
+          <p:spPr>
+            <a:xfrm>
+              <a:off x="3692857" y="4501661"/>
+              <a:ext cx="1459346" cy="624255"/>
+            </a:xfrm>
+            <a:prstGeom prst="roundRect">
+              <a:avLst/>
+            </a:prstGeom>
+          </p:spPr>
+          <p:style>
+            <a:lnRef idx="0">
+              <a:schemeClr val="accent2"/>
+            </a:lnRef>
+            <a:fillRef idx="3">
+              <a:schemeClr val="accent2"/>
+            </a:fillRef>
+            <a:effectRef idx="3">
+              <a:schemeClr val="accent2"/>
+            </a:effectRef>
+            <a:fontRef idx="minor">
+              <a:schemeClr val="lt1"/>
+            </a:fontRef>
+          </p:style>
+          <p:txBody>
+            <a:bodyPr rtlCol="0" anchor="ctr"/>
+            <a:lstStyle/>
+            <a:p>
+              <a:pPr algn="ctr"/>
+              <a:r>
+                <a:rPr lang="en-US" dirty="0" err="1" smtClean="0"/>
+                <a:t>WebApp</a:t>
+              </a:r>
+              <a:endParaRPr lang="en-US" dirty="0"/>
+            </a:p>
+          </p:txBody>
+        </p:sp>
+        <p:sp>
+          <p:nvSpPr>
+            <p:cNvPr id="33" name="TextBox 32"/>
+            <p:cNvSpPr txBox="1"/>
+            <p:nvPr/>
+          </p:nvSpPr>
+          <p:spPr>
+            <a:xfrm>
+              <a:off x="2489629" y="5385720"/>
+              <a:ext cx="1932901" cy="369332"/>
+            </a:xfrm>
+            <a:prstGeom prst="rect">
+              <a:avLst/>
+            </a:prstGeom>
+            <a:noFill/>
+          </p:spPr>
+          <p:txBody>
+            <a:bodyPr wrap="none" rtlCol="0">
+              <a:spAutoFit/>
+            </a:bodyPr>
+            <a:lstStyle/>
+            <a:p>
+              <a:r>
+                <a:rPr lang="en-US" dirty="0" smtClean="0"/>
+                <a:t>Background server</a:t>
+              </a:r>
+              <a:endParaRPr lang="en-US" dirty="0"/>
+            </a:p>
+          </p:txBody>
+        </p:sp>
+        <p:sp>
+          <p:nvSpPr>
+            <p:cNvPr id="35" name="Round Diagonal Corner Rectangle 34"/>
+            <p:cNvSpPr/>
+            <p:nvPr/>
+          </p:nvSpPr>
+          <p:spPr>
+            <a:xfrm>
+              <a:off x="8321917" y="2630196"/>
+              <a:ext cx="3223538" cy="791307"/>
+            </a:xfrm>
+            <a:prstGeom prst="round2DiagRect">
+              <a:avLst/>
+            </a:prstGeom>
+          </p:spPr>
+          <p:style>
+            <a:lnRef idx="0">
+              <a:schemeClr val="accent5"/>
+            </a:lnRef>
+            <a:fillRef idx="3">
+              <a:schemeClr val="accent5"/>
+            </a:fillRef>
+            <a:effectRef idx="3">
+              <a:schemeClr val="accent5"/>
+            </a:effectRef>
+            <a:fontRef idx="minor">
+              <a:schemeClr val="lt1"/>
+            </a:fontRef>
+          </p:style>
+          <p:txBody>
+            <a:bodyPr rtlCol="0" anchor="ctr"/>
+            <a:lstStyle/>
+            <a:p>
+              <a:pPr algn="ctr"/>
+              <a:r>
+                <a:rPr lang="en-US" dirty="0" smtClean="0"/>
+                <a:t>GCModeller CLI tools</a:t>
+              </a:r>
+              <a:endParaRPr lang="en-US" dirty="0"/>
+            </a:p>
+          </p:txBody>
+        </p:sp>
+      </p:grpSp>
     </p:spTree>
     <p:extLst>
       <p:ext uri="{BB962C8B-B14F-4D97-AF65-F5344CB8AC3E}">
